--- a/SE2018春-G14-需求分析1.2.pptx
+++ b/SE2018春-G14-需求分析1.2.pptx
@@ -2346,51 +2346,6 @@
         </a:p>
       </dgm:t>
     </dgm:pt>
-    <dgm:pt modelId="{6023D91B-3405-4F87-A1BA-4C7BC9F92001}">
-      <dgm:prSet phldrT="[文本]" custT="1"/>
-      <dgm:spPr/>
-      <dgm:t>
-        <a:bodyPr/>
-        <a:lstStyle/>
-        <a:p>
-          <a:r>
-            <a:rPr lang="en-US" altLang="zh-CN" sz="2000" b="1" dirty="0">
-              <a:solidFill>
-                <a:srgbClr val="2A2A2A"/>
-              </a:solidFill>
-            </a:rPr>
-            <a:t>TITLE</a:t>
-          </a:r>
-          <a:endParaRPr lang="zh-CN" altLang="en-US" sz="2000" b="1" dirty="0">
-            <a:solidFill>
-              <a:srgbClr val="2A2A2A"/>
-            </a:solidFill>
-          </a:endParaRPr>
-        </a:p>
-      </dgm:t>
-    </dgm:pt>
-    <dgm:pt modelId="{BB54C2C4-60D6-4532-A584-F73038A57F52}" type="parTrans" cxnId="{B49528AD-0389-405D-9847-B14D16465F31}">
-      <dgm:prSet/>
-      <dgm:spPr/>
-      <dgm:t>
-        <a:bodyPr/>
-        <a:lstStyle/>
-        <a:p>
-          <a:endParaRPr lang="zh-CN" altLang="en-US" sz="2000"/>
-        </a:p>
-      </dgm:t>
-    </dgm:pt>
-    <dgm:pt modelId="{A5727343-79DD-4F1E-9474-3F8A92A820C1}" type="sibTrans" cxnId="{B49528AD-0389-405D-9847-B14D16465F31}">
-      <dgm:prSet/>
-      <dgm:spPr/>
-      <dgm:t>
-        <a:bodyPr/>
-        <a:lstStyle/>
-        <a:p>
-          <a:endParaRPr lang="zh-CN" altLang="en-US" sz="2000"/>
-        </a:p>
-      </dgm:t>
-    </dgm:pt>
     <dgm:pt modelId="{DFBF3E8B-FE55-4872-8E55-D1A022369590}">
       <dgm:prSet phldrT="[文本]" custT="1"/>
       <dgm:spPr/>
@@ -2471,6 +2426,51 @@
       </dgm:t>
     </dgm:pt>
     <dgm:pt modelId="{E9EB2BCB-F47D-432C-A5E3-60A62174D047}" type="sibTrans" cxnId="{652C1E3B-7DF1-40B0-B912-35053ECBA991}">
+      <dgm:prSet/>
+      <dgm:spPr/>
+      <dgm:t>
+        <a:bodyPr/>
+        <a:lstStyle/>
+        <a:p>
+          <a:endParaRPr lang="zh-CN" altLang="en-US" sz="2000"/>
+        </a:p>
+      </dgm:t>
+    </dgm:pt>
+    <dgm:pt modelId="{6023D91B-3405-4F87-A1BA-4C7BC9F92001}">
+      <dgm:prSet phldrT="[文本]" custT="1"/>
+      <dgm:spPr/>
+      <dgm:t>
+        <a:bodyPr/>
+        <a:lstStyle/>
+        <a:p>
+          <a:r>
+            <a:rPr lang="en-US" altLang="zh-CN" sz="2000" b="1" dirty="0">
+              <a:solidFill>
+                <a:srgbClr val="2A2A2A"/>
+              </a:solidFill>
+            </a:rPr>
+            <a:t>TITLE</a:t>
+          </a:r>
+          <a:endParaRPr lang="zh-CN" altLang="en-US" sz="2000" b="1" dirty="0">
+            <a:solidFill>
+              <a:srgbClr val="2A2A2A"/>
+            </a:solidFill>
+          </a:endParaRPr>
+        </a:p>
+      </dgm:t>
+    </dgm:pt>
+    <dgm:pt modelId="{A5727343-79DD-4F1E-9474-3F8A92A820C1}" type="sibTrans" cxnId="{B49528AD-0389-405D-9847-B14D16465F31}">
+      <dgm:prSet/>
+      <dgm:spPr/>
+      <dgm:t>
+        <a:bodyPr/>
+        <a:lstStyle/>
+        <a:p>
+          <a:endParaRPr lang="zh-CN" altLang="en-US" sz="2000"/>
+        </a:p>
+      </dgm:t>
+    </dgm:pt>
+    <dgm:pt modelId="{BB54C2C4-60D6-4532-A584-F73038A57F52}" type="parTrans" cxnId="{B49528AD-0389-405D-9847-B14D16465F31}">
       <dgm:prSet/>
       <dgm:spPr/>
       <dgm:t>
@@ -6150,7 +6150,7 @@
           <a:p>
             <a:fld id="{725A60A4-BF96-CF41-A1B3-E3F3623CC63B}" type="datetimeFigureOut">
               <a:rPr kumimoji="1" lang="zh-CN" altLang="en-US" smtClean="0"/>
-              <a:t>2018/4/26</a:t>
+              <a:t>2018/5/2</a:t>
             </a:fld>
             <a:endParaRPr kumimoji="1" lang="zh-CN" altLang="en-US"/>
           </a:p>
@@ -7191,7 +7191,7 @@
           <p:nvPr>
             <p:extLst>
               <p:ext uri="{D42A27DB-BD31-4B8C-83A1-F6EECF244321}">
-                <p14:modId xmlns:p14="http://schemas.microsoft.com/office/powerpoint/2010/main" val="272024325"/>
+                <p14:modId xmlns:p14="http://schemas.microsoft.com/office/powerpoint/2010/main" val="67030170"/>
               </p:ext>
             </p:extLst>
           </p:nvPr>
@@ -7319,7 +7319,7 @@
                     <a:p>
                       <a:r>
                         <a:rPr lang="en-US" altLang="zh-CN" sz="2000" dirty="0"/>
-                        <a:t>4.4/5</a:t>
+                        <a:t>89</a:t>
                       </a:r>
                       <a:endParaRPr lang="zh-CN" altLang="en-US" sz="2000" dirty="0"/>
                     </a:p>
@@ -7392,7 +7392,7 @@
                     <a:p>
                       <a:r>
                         <a:rPr lang="en-US" altLang="zh-CN" sz="2000" dirty="0"/>
-                        <a:t>4.2/5</a:t>
+                        <a:t>87</a:t>
                       </a:r>
                       <a:endParaRPr lang="zh-CN" altLang="en-US" sz="2000" dirty="0"/>
                     </a:p>
@@ -7453,7 +7453,7 @@
                     <a:p>
                       <a:r>
                         <a:rPr lang="en-US" altLang="zh-CN" sz="2000" dirty="0"/>
-                        <a:t>4.3/5</a:t>
+                        <a:t>88</a:t>
                       </a:r>
                       <a:endParaRPr lang="zh-CN" altLang="en-US" sz="2000" dirty="0"/>
                     </a:p>
@@ -8014,7 +8014,7 @@
         <p:spPr>
           <a:xfrm>
             <a:off x="2095002" y="2687912"/>
-            <a:ext cx="7164372" cy="460375"/>
+            <a:ext cx="7164372" cy="461665"/>
           </a:xfrm>
           <a:prstGeom prst="rect">
             <a:avLst/>
@@ -8033,7 +8033,7 @@
             </a:r>
             <a:r>
               <a:rPr lang="zh-CN" altLang="en-US" dirty="0"/>
-              <a:t>数据字典、ER图</a:t>
+              <a:t>数据字典、ER图等</a:t>
             </a:r>
           </a:p>
         </p:txBody>
@@ -8338,8 +8338,68 @@
         </p:blipFill>
         <p:spPr>
           <a:xfrm>
-            <a:off x="843756" y="2000250"/>
-            <a:ext cx="10506075" cy="3800475"/>
+            <a:off x="2411749" y="1782020"/>
+            <a:ext cx="6770351" cy="1646980"/>
+          </a:xfrm>
+          <a:prstGeom prst="rect">
+            <a:avLst/>
+          </a:prstGeom>
+        </p:spPr>
+      </p:pic>
+      <p:pic>
+        <p:nvPicPr>
+          <p:cNvPr id="3" name="图片 2">
+            <a:extLst>
+              <a:ext uri="{FF2B5EF4-FFF2-40B4-BE49-F238E27FC236}">
+                <a16:creationId xmlns:a16="http://schemas.microsoft.com/office/drawing/2014/main" id="{50AB8AFB-4B45-4001-90BE-8388B7AA5505}"/>
+              </a:ext>
+            </a:extLst>
+          </p:cNvPr>
+          <p:cNvPicPr>
+            <a:picLocks noChangeAspect="1"/>
+          </p:cNvPicPr>
+          <p:nvPr/>
+        </p:nvPicPr>
+        <p:blipFill>
+          <a:blip r:embed="rId4"/>
+          <a:stretch>
+            <a:fillRect/>
+          </a:stretch>
+        </p:blipFill>
+        <p:spPr>
+          <a:xfrm>
+            <a:off x="2335549" y="3267075"/>
+            <a:ext cx="7008140" cy="2343150"/>
+          </a:xfrm>
+          <a:prstGeom prst="rect">
+            <a:avLst/>
+          </a:prstGeom>
+        </p:spPr>
+      </p:pic>
+      <p:pic>
+        <p:nvPicPr>
+          <p:cNvPr id="10" name="图片 9">
+            <a:extLst>
+              <a:ext uri="{FF2B5EF4-FFF2-40B4-BE49-F238E27FC236}">
+                <a16:creationId xmlns:a16="http://schemas.microsoft.com/office/drawing/2014/main" id="{28D1B987-0D60-4278-8F21-BD77C31A4B2D}"/>
+              </a:ext>
+            </a:extLst>
+          </p:cNvPr>
+          <p:cNvPicPr>
+            <a:picLocks noChangeAspect="1"/>
+          </p:cNvPicPr>
+          <p:nvPr/>
+        </p:nvPicPr>
+        <p:blipFill>
+          <a:blip r:embed="rId5"/>
+          <a:stretch>
+            <a:fillRect/>
+          </a:stretch>
+        </p:blipFill>
+        <p:spPr>
+          <a:xfrm>
+            <a:off x="2335549" y="5363214"/>
+            <a:ext cx="7763621" cy="1399592"/>
           </a:xfrm>
           <a:prstGeom prst="rect">
             <a:avLst/>
@@ -8797,36 +8857,6 @@
           </a:p>
         </p:txBody>
       </p:sp>
-      <p:pic>
-        <p:nvPicPr>
-          <p:cNvPr id="3" name="图片 2">
-            <a:extLst>
-              <a:ext uri="{FF2B5EF4-FFF2-40B4-BE49-F238E27FC236}">
-                <a16:creationId xmlns:a16="http://schemas.microsoft.com/office/drawing/2014/main" id="{468A18E5-157C-44BA-A8F6-DBC245D62845}"/>
-              </a:ext>
-            </a:extLst>
-          </p:cNvPr>
-          <p:cNvPicPr>
-            <a:picLocks noChangeAspect="1"/>
-          </p:cNvPicPr>
-          <p:nvPr/>
-        </p:nvPicPr>
-        <p:blipFill>
-          <a:blip r:embed="rId3"/>
-          <a:stretch>
-            <a:fillRect/>
-          </a:stretch>
-        </p:blipFill>
-        <p:spPr>
-          <a:xfrm>
-            <a:off x="5172155" y="745318"/>
-            <a:ext cx="3705225" cy="4961050"/>
-          </a:xfrm>
-          <a:prstGeom prst="rect">
-            <a:avLst/>
-          </a:prstGeom>
-        </p:spPr>
-      </p:pic>
       <p:sp>
         <p:nvSpPr>
           <p:cNvPr id="4" name="文本框 3">
@@ -8947,14 +8977,14 @@
           <p:nvPr/>
         </p:nvPicPr>
         <p:blipFill>
-          <a:blip r:embed="rId4"/>
+          <a:blip r:embed="rId3"/>
           <a:stretch>
             <a:fillRect/>
           </a:stretch>
         </p:blipFill>
         <p:spPr>
           <a:xfrm>
-            <a:off x="4404003" y="873785"/>
+            <a:off x="4450644" y="986201"/>
             <a:ext cx="6972904" cy="5380186"/>
           </a:xfrm>
           <a:prstGeom prst="rect">
@@ -8977,14 +9007,14 @@
           <p:nvPr/>
         </p:nvPicPr>
         <p:blipFill>
-          <a:blip r:embed="rId5"/>
+          <a:blip r:embed="rId4"/>
           <a:stretch>
             <a:fillRect/>
           </a:stretch>
         </p:blipFill>
         <p:spPr>
           <a:xfrm>
-            <a:off x="4019166" y="922420"/>
+            <a:off x="3871077" y="1335450"/>
             <a:ext cx="7590178" cy="4854361"/>
           </a:xfrm>
           <a:prstGeom prst="rect">
@@ -9007,15 +9037,44 @@
           <p:nvPr/>
         </p:nvPicPr>
         <p:blipFill>
-          <a:blip r:embed="rId6"/>
+          <a:blip r:embed="rId5"/>
           <a:stretch>
             <a:fillRect/>
           </a:stretch>
         </p:blipFill>
         <p:spPr>
           <a:xfrm>
-            <a:off x="3817218" y="873785"/>
+            <a:off x="3899282" y="1237683"/>
             <a:ext cx="7994073" cy="5128704"/>
+          </a:xfrm>
+          <a:prstGeom prst="rect">
+            <a:avLst/>
+          </a:prstGeom>
+        </p:spPr>
+      </p:pic>
+      <p:pic>
+        <p:nvPicPr>
+          <p:cNvPr id="2" name="图片 1">
+            <a:extLst>
+              <a:ext uri="{FF2B5EF4-FFF2-40B4-BE49-F238E27FC236}">
+                <a16:creationId xmlns:a16="http://schemas.microsoft.com/office/drawing/2014/main" id="{F1BD1E0C-E5E6-47A1-8535-D93A5C2CD8CD}"/>
+              </a:ext>
+            </a:extLst>
+          </p:cNvPr>
+          <p:cNvPicPr>
+            <a:picLocks noChangeAspect="1"/>
+          </p:cNvPicPr>
+          <p:nvPr/>
+        </p:nvPicPr>
+        <p:blipFill rotWithShape="1">
+          <a:blip r:embed="rId6"/>
+          <a:srcRect l="1376" t="20236" r="71492" b="6097"/>
+          <a:stretch/>
+        </p:blipFill>
+        <p:spPr>
+          <a:xfrm>
+            <a:off x="5424641" y="491613"/>
+            <a:ext cx="4281334" cy="6022726"/>
           </a:xfrm>
           <a:prstGeom prst="rect">
             <a:avLst/>
@@ -9381,7 +9440,7 @@
                             </p:stCondLst>
                             <p:childTnLst>
                               <p:par>
-                                <p:cTn id="31" presetID="10" presetClass="entr" presetSubtype="0" fill="hold" nodeType="clickEffect">
+                                <p:cTn id="31" presetID="42" presetClass="entr" presetSubtype="0" fill="hold" nodeType="clickEffect">
                                   <p:stCondLst>
                                     <p:cond delay="0"/>
                                   </p:stCondLst>
@@ -9394,7 +9453,7 @@
                                           </p:stCondLst>
                                         </p:cTn>
                                         <p:tgtEl>
-                                          <p:spTgt spid="3"/>
+                                          <p:spTgt spid="2"/>
                                         </p:tgtEl>
                                         <p:attrNameLst>
                                           <p:attrName>style.visibility</p:attrName>
@@ -9406,12 +9465,58 @@
                                     </p:set>
                                     <p:animEffect transition="in" filter="fade">
                                       <p:cBhvr>
-                                        <p:cTn id="33" dur="500"/>
+                                        <p:cTn id="33" dur="1000"/>
                                         <p:tgtEl>
-                                          <p:spTgt spid="3"/>
+                                          <p:spTgt spid="2"/>
                                         </p:tgtEl>
                                       </p:cBhvr>
                                     </p:animEffect>
+                                    <p:anim calcmode="lin" valueType="num">
+                                      <p:cBhvr>
+                                        <p:cTn id="34" dur="1000" fill="hold"/>
+                                        <p:tgtEl>
+                                          <p:spTgt spid="2"/>
+                                        </p:tgtEl>
+                                        <p:attrNameLst>
+                                          <p:attrName>ppt_x</p:attrName>
+                                        </p:attrNameLst>
+                                      </p:cBhvr>
+                                      <p:tavLst>
+                                        <p:tav tm="0">
+                                          <p:val>
+                                            <p:strVal val="#ppt_x"/>
+                                          </p:val>
+                                        </p:tav>
+                                        <p:tav tm="100000">
+                                          <p:val>
+                                            <p:strVal val="#ppt_x"/>
+                                          </p:val>
+                                        </p:tav>
+                                      </p:tavLst>
+                                    </p:anim>
+                                    <p:anim calcmode="lin" valueType="num">
+                                      <p:cBhvr>
+                                        <p:cTn id="35" dur="1000" fill="hold"/>
+                                        <p:tgtEl>
+                                          <p:spTgt spid="2"/>
+                                        </p:tgtEl>
+                                        <p:attrNameLst>
+                                          <p:attrName>ppt_y</p:attrName>
+                                        </p:attrNameLst>
+                                      </p:cBhvr>
+                                      <p:tavLst>
+                                        <p:tav tm="0">
+                                          <p:val>
+                                            <p:strVal val="#ppt_y+.1"/>
+                                          </p:val>
+                                        </p:tav>
+                                        <p:tav tm="100000">
+                                          <p:val>
+                                            <p:strVal val="#ppt_y"/>
+                                          </p:val>
+                                        </p:tav>
+                                      </p:tavLst>
+                                    </p:anim>
                                   </p:childTnLst>
                                 </p:cTn>
                               </p:par>
@@ -9422,26 +9527,79 @@
                     </p:cTn>
                   </p:par>
                   <p:par>
-                    <p:cTn id="34" fill="hold">
+                    <p:cTn id="36" fill="hold">
                       <p:stCondLst>
                         <p:cond delay="indefinite"/>
                       </p:stCondLst>
                       <p:childTnLst>
                         <p:par>
-                          <p:cTn id="35" fill="hold">
+                          <p:cTn id="37" fill="hold">
                             <p:stCondLst>
                               <p:cond delay="0"/>
                             </p:stCondLst>
                             <p:childTnLst>
                               <p:par>
-                                <p:cTn id="36" presetID="10" presetClass="exit" presetSubtype="0" fill="hold" grpId="1" nodeType="clickEffect">
+                                <p:cTn id="38" presetID="10" presetClass="exit" presetSubtype="0" fill="hold" nodeType="clickEffect">
                                   <p:stCondLst>
                                     <p:cond delay="0"/>
                                   </p:stCondLst>
                                   <p:childTnLst>
                                     <p:animEffect transition="out" filter="fade">
                                       <p:cBhvr>
-                                        <p:cTn id="37" dur="500"/>
+                                        <p:cTn id="39" dur="500"/>
+                                        <p:tgtEl>
+                                          <p:spTgt spid="2"/>
+                                        </p:tgtEl>
+                                      </p:cBhvr>
+                                    </p:animEffect>
+                                    <p:set>
+                                      <p:cBhvr>
+                                        <p:cTn id="40" dur="1" fill="hold">
+                                          <p:stCondLst>
+                                            <p:cond delay="499"/>
+                                          </p:stCondLst>
+                                        </p:cTn>
+                                        <p:tgtEl>
+                                          <p:spTgt spid="2"/>
+                                        </p:tgtEl>
+                                        <p:attrNameLst>
+                                          <p:attrName>style.visibility</p:attrName>
+                                        </p:attrNameLst>
+                                      </p:cBhvr>
+                                      <p:to>
+                                        <p:strVal val="hidden"/>
+                                      </p:to>
+                                    </p:set>
+                                  </p:childTnLst>
+                                </p:cTn>
+                              </p:par>
+                            </p:childTnLst>
+                          </p:cTn>
+                        </p:par>
+                      </p:childTnLst>
+                    </p:cTn>
+                  </p:par>
+                  <p:par>
+                    <p:cTn id="41" fill="hold">
+                      <p:stCondLst>
+                        <p:cond delay="indefinite"/>
+                      </p:stCondLst>
+                      <p:childTnLst>
+                        <p:par>
+                          <p:cTn id="42" fill="hold">
+                            <p:stCondLst>
+                              <p:cond delay="0"/>
+                            </p:stCondLst>
+                            <p:childTnLst>
+                              <p:par>
+                                <p:cTn id="43" presetID="10" presetClass="exit" presetSubtype="0" fill="hold" grpId="1" nodeType="clickEffect">
+                                  <p:stCondLst>
+                                    <p:cond delay="0"/>
+                                  </p:stCondLst>
+                                  <p:childTnLst>
+                                    <p:animEffect transition="out" filter="fade">
+                                      <p:cBhvr>
+                                        <p:cTn id="44" dur="500"/>
                                         <p:tgtEl>
                                           <p:spTgt spid="4"/>
                                         </p:tgtEl>
@@ -9449,7 +9607,7 @@
                                     </p:animEffect>
                                     <p:set>
                                       <p:cBhvr>
-                                        <p:cTn id="38" dur="1" fill="hold">
+                                        <p:cTn id="45" dur="1" fill="hold">
                                           <p:stCondLst>
                                             <p:cond delay="499"/>
                                           </p:stCondLst>
@@ -9475,79 +9633,26 @@
                     </p:cTn>
                   </p:par>
                   <p:par>
-                    <p:cTn id="39" fill="hold">
+                    <p:cTn id="46" fill="hold">
                       <p:stCondLst>
                         <p:cond delay="indefinite"/>
                       </p:stCondLst>
                       <p:childTnLst>
                         <p:par>
-                          <p:cTn id="40" fill="hold">
+                          <p:cTn id="47" fill="hold">
                             <p:stCondLst>
                               <p:cond delay="0"/>
                             </p:stCondLst>
                             <p:childTnLst>
                               <p:par>
-                                <p:cTn id="41" presetID="10" presetClass="exit" presetSubtype="0" fill="hold" nodeType="clickEffect">
-                                  <p:stCondLst>
-                                    <p:cond delay="0"/>
-                                  </p:stCondLst>
-                                  <p:childTnLst>
-                                    <p:animEffect transition="out" filter="fade">
-                                      <p:cBhvr>
-                                        <p:cTn id="42" dur="500"/>
-                                        <p:tgtEl>
-                                          <p:spTgt spid="3"/>
-                                        </p:tgtEl>
-                                      </p:cBhvr>
-                                    </p:animEffect>
-                                    <p:set>
-                                      <p:cBhvr>
-                                        <p:cTn id="43" dur="1" fill="hold">
-                                          <p:stCondLst>
-                                            <p:cond delay="499"/>
-                                          </p:stCondLst>
-                                        </p:cTn>
-                                        <p:tgtEl>
-                                          <p:spTgt spid="3"/>
-                                        </p:tgtEl>
-                                        <p:attrNameLst>
-                                          <p:attrName>style.visibility</p:attrName>
-                                        </p:attrNameLst>
-                                      </p:cBhvr>
-                                      <p:to>
-                                        <p:strVal val="hidden"/>
-                                      </p:to>
-                                    </p:set>
-                                  </p:childTnLst>
-                                </p:cTn>
-                              </p:par>
-                            </p:childTnLst>
-                          </p:cTn>
-                        </p:par>
-                      </p:childTnLst>
-                    </p:cTn>
-                  </p:par>
-                  <p:par>
-                    <p:cTn id="44" fill="hold">
-                      <p:stCondLst>
-                        <p:cond delay="indefinite"/>
-                      </p:stCondLst>
-                      <p:childTnLst>
-                        <p:par>
-                          <p:cTn id="45" fill="hold">
-                            <p:stCondLst>
-                              <p:cond delay="0"/>
-                            </p:stCondLst>
-                            <p:childTnLst>
-                              <p:par>
-                                <p:cTn id="46" presetID="10" presetClass="entr" presetSubtype="0" fill="hold" grpId="0" nodeType="clickEffect">
+                                <p:cTn id="48" presetID="10" presetClass="entr" presetSubtype="0" fill="hold" grpId="0" nodeType="clickEffect">
                                   <p:stCondLst>
                                     <p:cond delay="0"/>
                                   </p:stCondLst>
                                   <p:childTnLst>
                                     <p:set>
                                       <p:cBhvr>
-                                        <p:cTn id="47" dur="1" fill="hold">
+                                        <p:cTn id="49" dur="1" fill="hold">
                                           <p:stCondLst>
                                             <p:cond delay="0"/>
                                           </p:stCondLst>
@@ -9565,7 +9670,7 @@
                                     </p:set>
                                     <p:animEffect transition="in" filter="fade">
                                       <p:cBhvr>
-                                        <p:cTn id="48" dur="500"/>
+                                        <p:cTn id="50" dur="500"/>
                                         <p:tgtEl>
                                           <p:spTgt spid="5"/>
                                         </p:tgtEl>
@@ -9581,26 +9686,26 @@
                     </p:cTn>
                   </p:par>
                   <p:par>
-                    <p:cTn id="49" fill="hold">
+                    <p:cTn id="51" fill="hold">
                       <p:stCondLst>
                         <p:cond delay="indefinite"/>
                       </p:stCondLst>
                       <p:childTnLst>
                         <p:par>
-                          <p:cTn id="50" fill="hold">
+                          <p:cTn id="52" fill="hold">
                             <p:stCondLst>
                               <p:cond delay="0"/>
                             </p:stCondLst>
                             <p:childTnLst>
                               <p:par>
-                                <p:cTn id="51" presetID="10" presetClass="entr" presetSubtype="0" fill="hold" nodeType="clickEffect">
+                                <p:cTn id="53" presetID="10" presetClass="entr" presetSubtype="0" fill="hold" nodeType="clickEffect">
                                   <p:stCondLst>
                                     <p:cond delay="0"/>
                                   </p:stCondLst>
                                   <p:childTnLst>
                                     <p:set>
                                       <p:cBhvr>
-                                        <p:cTn id="52" dur="1" fill="hold">
+                                        <p:cTn id="54" dur="1" fill="hold">
                                           <p:stCondLst>
                                             <p:cond delay="0"/>
                                           </p:stCondLst>
@@ -9618,7 +9723,7 @@
                                     </p:set>
                                     <p:animEffect transition="in" filter="fade">
                                       <p:cBhvr>
-                                        <p:cTn id="53" dur="500"/>
+                                        <p:cTn id="55" dur="500"/>
                                         <p:tgtEl>
                                           <p:spTgt spid="11"/>
                                         </p:tgtEl>
@@ -9634,26 +9739,26 @@
                     </p:cTn>
                   </p:par>
                   <p:par>
-                    <p:cTn id="54" fill="hold">
+                    <p:cTn id="56" fill="hold">
                       <p:stCondLst>
                         <p:cond delay="indefinite"/>
                       </p:stCondLst>
                       <p:childTnLst>
                         <p:par>
-                          <p:cTn id="55" fill="hold">
+                          <p:cTn id="57" fill="hold">
                             <p:stCondLst>
                               <p:cond delay="0"/>
                             </p:stCondLst>
                             <p:childTnLst>
                               <p:par>
-                                <p:cTn id="56" presetID="10" presetClass="exit" presetSubtype="0" fill="hold" grpId="1" nodeType="clickEffect">
+                                <p:cTn id="58" presetID="10" presetClass="exit" presetSubtype="0" fill="hold" grpId="1" nodeType="clickEffect">
                                   <p:stCondLst>
                                     <p:cond delay="0"/>
                                   </p:stCondLst>
                                   <p:childTnLst>
                                     <p:animEffect transition="out" filter="fade">
                                       <p:cBhvr>
-                                        <p:cTn id="57" dur="500"/>
+                                        <p:cTn id="59" dur="500"/>
                                         <p:tgtEl>
                                           <p:spTgt spid="5"/>
                                         </p:tgtEl>
@@ -9661,7 +9766,7 @@
                                     </p:animEffect>
                                     <p:set>
                                       <p:cBhvr>
-                                        <p:cTn id="58" dur="1" fill="hold">
+                                        <p:cTn id="60" dur="1" fill="hold">
                                           <p:stCondLst>
                                             <p:cond delay="499"/>
                                           </p:stCondLst>
@@ -9687,26 +9792,26 @@
                     </p:cTn>
                   </p:par>
                   <p:par>
-                    <p:cTn id="59" fill="hold">
+                    <p:cTn id="61" fill="hold">
                       <p:stCondLst>
                         <p:cond delay="indefinite"/>
                       </p:stCondLst>
                       <p:childTnLst>
                         <p:par>
-                          <p:cTn id="60" fill="hold">
+                          <p:cTn id="62" fill="hold">
                             <p:stCondLst>
                               <p:cond delay="0"/>
                             </p:stCondLst>
                             <p:childTnLst>
                               <p:par>
-                                <p:cTn id="61" presetID="10" presetClass="exit" presetSubtype="0" fill="hold" nodeType="clickEffect">
+                                <p:cTn id="63" presetID="10" presetClass="exit" presetSubtype="0" fill="hold" nodeType="clickEffect">
                                   <p:stCondLst>
                                     <p:cond delay="0"/>
                                   </p:stCondLst>
                                   <p:childTnLst>
                                     <p:animEffect transition="out" filter="fade">
                                       <p:cBhvr>
-                                        <p:cTn id="62" dur="500"/>
+                                        <p:cTn id="64" dur="500"/>
                                         <p:tgtEl>
                                           <p:spTgt spid="11"/>
                                         </p:tgtEl>
@@ -9714,7 +9819,7 @@
                                     </p:animEffect>
                                     <p:set>
                                       <p:cBhvr>
-                                        <p:cTn id="63" dur="1" fill="hold">
+                                        <p:cTn id="65" dur="1" fill="hold">
                                           <p:stCondLst>
                                             <p:cond delay="499"/>
                                           </p:stCondLst>
@@ -9740,26 +9845,26 @@
                     </p:cTn>
                   </p:par>
                   <p:par>
-                    <p:cTn id="64" fill="hold">
+                    <p:cTn id="66" fill="hold">
                       <p:stCondLst>
                         <p:cond delay="indefinite"/>
                       </p:stCondLst>
                       <p:childTnLst>
                         <p:par>
-                          <p:cTn id="65" fill="hold">
+                          <p:cTn id="67" fill="hold">
                             <p:stCondLst>
                               <p:cond delay="0"/>
                             </p:stCondLst>
                             <p:childTnLst>
                               <p:par>
-                                <p:cTn id="66" presetID="10" presetClass="entr" presetSubtype="0" fill="hold" grpId="0" nodeType="clickEffect">
+                                <p:cTn id="68" presetID="10" presetClass="entr" presetSubtype="0" fill="hold" grpId="0" nodeType="clickEffect">
                                   <p:stCondLst>
                                     <p:cond delay="0"/>
                                   </p:stCondLst>
                                   <p:childTnLst>
                                     <p:set>
                                       <p:cBhvr>
-                                        <p:cTn id="67" dur="1" fill="hold">
+                                        <p:cTn id="69" dur="1" fill="hold">
                                           <p:stCondLst>
                                             <p:cond delay="0"/>
                                           </p:stCondLst>
@@ -9777,7 +9882,7 @@
                                     </p:set>
                                     <p:animEffect transition="in" filter="fade">
                                       <p:cBhvr>
-                                        <p:cTn id="68" dur="500"/>
+                                        <p:cTn id="70" dur="500"/>
                                         <p:tgtEl>
                                           <p:spTgt spid="6"/>
                                         </p:tgtEl>
@@ -9793,26 +9898,26 @@
                     </p:cTn>
                   </p:par>
                   <p:par>
-                    <p:cTn id="69" fill="hold">
+                    <p:cTn id="71" fill="hold">
                       <p:stCondLst>
                         <p:cond delay="indefinite"/>
                       </p:stCondLst>
                       <p:childTnLst>
                         <p:par>
-                          <p:cTn id="70" fill="hold">
+                          <p:cTn id="72" fill="hold">
                             <p:stCondLst>
                               <p:cond delay="0"/>
                             </p:stCondLst>
                             <p:childTnLst>
                               <p:par>
-                                <p:cTn id="71" presetID="10" presetClass="entr" presetSubtype="0" fill="hold" nodeType="clickEffect">
+                                <p:cTn id="73" presetID="10" presetClass="entr" presetSubtype="0" fill="hold" nodeType="clickEffect">
                                   <p:stCondLst>
                                     <p:cond delay="0"/>
                                   </p:stCondLst>
                                   <p:childTnLst>
                                     <p:set>
                                       <p:cBhvr>
-                                        <p:cTn id="72" dur="1" fill="hold">
+                                        <p:cTn id="74" dur="1" fill="hold">
                                           <p:stCondLst>
                                             <p:cond delay="0"/>
                                           </p:stCondLst>
@@ -9830,7 +9935,7 @@
                                     </p:set>
                                     <p:animEffect transition="in" filter="fade">
                                       <p:cBhvr>
-                                        <p:cTn id="73" dur="500"/>
+                                        <p:cTn id="75" dur="500"/>
                                         <p:tgtEl>
                                           <p:spTgt spid="15"/>
                                         </p:tgtEl>
@@ -9846,26 +9951,26 @@
                     </p:cTn>
                   </p:par>
                   <p:par>
-                    <p:cTn id="74" fill="hold">
+                    <p:cTn id="76" fill="hold">
                       <p:stCondLst>
                         <p:cond delay="indefinite"/>
                       </p:stCondLst>
                       <p:childTnLst>
                         <p:par>
-                          <p:cTn id="75" fill="hold">
+                          <p:cTn id="77" fill="hold">
                             <p:stCondLst>
                               <p:cond delay="0"/>
                             </p:stCondLst>
                             <p:childTnLst>
                               <p:par>
-                                <p:cTn id="76" presetID="10" presetClass="exit" presetSubtype="0" fill="hold" grpId="1" nodeType="clickEffect">
+                                <p:cTn id="78" presetID="10" presetClass="exit" presetSubtype="0" fill="hold" grpId="1" nodeType="clickEffect">
                                   <p:stCondLst>
                                     <p:cond delay="0"/>
                                   </p:stCondLst>
                                   <p:childTnLst>
                                     <p:animEffect transition="out" filter="fade">
                                       <p:cBhvr>
-                                        <p:cTn id="77" dur="500"/>
+                                        <p:cTn id="79" dur="500"/>
                                         <p:tgtEl>
                                           <p:spTgt spid="6"/>
                                         </p:tgtEl>
@@ -9873,7 +9978,7 @@
                                     </p:animEffect>
                                     <p:set>
                                       <p:cBhvr>
-                                        <p:cTn id="78" dur="1" fill="hold">
+                                        <p:cTn id="80" dur="1" fill="hold">
                                           <p:stCondLst>
                                             <p:cond delay="499"/>
                                           </p:stCondLst>
@@ -9899,26 +10004,26 @@
                     </p:cTn>
                   </p:par>
                   <p:par>
-                    <p:cTn id="79" fill="hold">
+                    <p:cTn id="81" fill="hold">
                       <p:stCondLst>
                         <p:cond delay="indefinite"/>
                       </p:stCondLst>
                       <p:childTnLst>
                         <p:par>
-                          <p:cTn id="80" fill="hold">
+                          <p:cTn id="82" fill="hold">
                             <p:stCondLst>
                               <p:cond delay="0"/>
                             </p:stCondLst>
                             <p:childTnLst>
                               <p:par>
-                                <p:cTn id="81" presetID="10" presetClass="exit" presetSubtype="0" fill="hold" nodeType="clickEffect">
+                                <p:cTn id="83" presetID="10" presetClass="exit" presetSubtype="0" fill="hold" nodeType="clickEffect">
                                   <p:stCondLst>
                                     <p:cond delay="0"/>
                                   </p:stCondLst>
                                   <p:childTnLst>
                                     <p:animEffect transition="out" filter="fade">
                                       <p:cBhvr>
-                                        <p:cTn id="82" dur="500"/>
+                                        <p:cTn id="84" dur="500"/>
                                         <p:tgtEl>
                                           <p:spTgt spid="15"/>
                                         </p:tgtEl>
@@ -9926,7 +10031,7 @@
                                     </p:animEffect>
                                     <p:set>
                                       <p:cBhvr>
-                                        <p:cTn id="83" dur="1" fill="hold">
+                                        <p:cTn id="85" dur="1" fill="hold">
                                           <p:stCondLst>
                                             <p:cond delay="499"/>
                                           </p:stCondLst>
@@ -10584,6 +10689,156 @@
           </a:p>
         </p:txBody>
       </p:sp>
+      <p:pic>
+        <p:nvPicPr>
+          <p:cNvPr id="4" name="图片 3">
+            <a:extLst>
+              <a:ext uri="{FF2B5EF4-FFF2-40B4-BE49-F238E27FC236}">
+                <a16:creationId xmlns:a16="http://schemas.microsoft.com/office/drawing/2014/main" id="{D76B75A7-CC94-48A2-A36D-3390AC60F263}"/>
+              </a:ext>
+            </a:extLst>
+          </p:cNvPr>
+          <p:cNvPicPr>
+            <a:picLocks noChangeAspect="1"/>
+          </p:cNvPicPr>
+          <p:nvPr/>
+        </p:nvPicPr>
+        <p:blipFill>
+          <a:blip r:embed="rId7"/>
+          <a:stretch>
+            <a:fillRect/>
+          </a:stretch>
+        </p:blipFill>
+        <p:spPr>
+          <a:xfrm>
+            <a:off x="6545419" y="742979"/>
+            <a:ext cx="3857625" cy="6019906"/>
+          </a:xfrm>
+          <a:prstGeom prst="rect">
+            <a:avLst/>
+          </a:prstGeom>
+        </p:spPr>
+      </p:pic>
+      <p:pic>
+        <p:nvPicPr>
+          <p:cNvPr id="9" name="图片 8">
+            <a:extLst>
+              <a:ext uri="{FF2B5EF4-FFF2-40B4-BE49-F238E27FC236}">
+                <a16:creationId xmlns:a16="http://schemas.microsoft.com/office/drawing/2014/main" id="{B2663E8C-EAAA-4F5E-B271-1985BC31C579}"/>
+              </a:ext>
+            </a:extLst>
+          </p:cNvPr>
+          <p:cNvPicPr>
+            <a:picLocks noChangeAspect="1"/>
+          </p:cNvPicPr>
+          <p:nvPr/>
+        </p:nvPicPr>
+        <p:blipFill>
+          <a:blip r:embed="rId8"/>
+          <a:stretch>
+            <a:fillRect/>
+          </a:stretch>
+        </p:blipFill>
+        <p:spPr>
+          <a:xfrm>
+            <a:off x="6563414" y="731214"/>
+            <a:ext cx="3857625" cy="6019906"/>
+          </a:xfrm>
+          <a:prstGeom prst="rect">
+            <a:avLst/>
+          </a:prstGeom>
+        </p:spPr>
+      </p:pic>
+      <p:pic>
+        <p:nvPicPr>
+          <p:cNvPr id="11" name="图片 10">
+            <a:extLst>
+              <a:ext uri="{FF2B5EF4-FFF2-40B4-BE49-F238E27FC236}">
+                <a16:creationId xmlns:a16="http://schemas.microsoft.com/office/drawing/2014/main" id="{AAB7B513-46BE-4415-A1A0-0663EFC0F670}"/>
+              </a:ext>
+            </a:extLst>
+          </p:cNvPr>
+          <p:cNvPicPr>
+            <a:picLocks noChangeAspect="1"/>
+          </p:cNvPicPr>
+          <p:nvPr/>
+        </p:nvPicPr>
+        <p:blipFill>
+          <a:blip r:embed="rId9"/>
+          <a:stretch>
+            <a:fillRect/>
+          </a:stretch>
+        </p:blipFill>
+        <p:spPr>
+          <a:xfrm>
+            <a:off x="6587771" y="818830"/>
+            <a:ext cx="3857625" cy="6015640"/>
+          </a:xfrm>
+          <a:prstGeom prst="rect">
+            <a:avLst/>
+          </a:prstGeom>
+        </p:spPr>
+      </p:pic>
+      <p:pic>
+        <p:nvPicPr>
+          <p:cNvPr id="18" name="图片 17">
+            <a:extLst>
+              <a:ext uri="{FF2B5EF4-FFF2-40B4-BE49-F238E27FC236}">
+                <a16:creationId xmlns:a16="http://schemas.microsoft.com/office/drawing/2014/main" id="{952BF60D-3110-43CA-BBE4-F3F7A3753F1E}"/>
+              </a:ext>
+            </a:extLst>
+          </p:cNvPr>
+          <p:cNvPicPr>
+            <a:picLocks noChangeAspect="1"/>
+          </p:cNvPicPr>
+          <p:nvPr/>
+        </p:nvPicPr>
+        <p:blipFill>
+          <a:blip r:embed="rId10"/>
+          <a:stretch>
+            <a:fillRect/>
+          </a:stretch>
+        </p:blipFill>
+        <p:spPr>
+          <a:xfrm>
+            <a:off x="6527424" y="791719"/>
+            <a:ext cx="3857625" cy="6019220"/>
+          </a:xfrm>
+          <a:prstGeom prst="rect">
+            <a:avLst/>
+          </a:prstGeom>
+        </p:spPr>
+      </p:pic>
+      <p:pic>
+        <p:nvPicPr>
+          <p:cNvPr id="20" name="图片 19">
+            <a:extLst>
+              <a:ext uri="{FF2B5EF4-FFF2-40B4-BE49-F238E27FC236}">
+                <a16:creationId xmlns:a16="http://schemas.microsoft.com/office/drawing/2014/main" id="{25E63271-BB60-4EBB-A3D7-E8E66A2CBF2D}"/>
+              </a:ext>
+            </a:extLst>
+          </p:cNvPr>
+          <p:cNvPicPr>
+            <a:picLocks noChangeAspect="1"/>
+          </p:cNvPicPr>
+          <p:nvPr/>
+        </p:nvPicPr>
+        <p:blipFill>
+          <a:blip r:embed="rId11"/>
+          <a:stretch>
+            <a:fillRect/>
+          </a:stretch>
+        </p:blipFill>
+        <p:spPr>
+          <a:xfrm>
+            <a:off x="6545419" y="785420"/>
+            <a:ext cx="3857625" cy="6072580"/>
+          </a:xfrm>
+          <a:prstGeom prst="rect">
+            <a:avLst/>
+          </a:prstGeom>
+        </p:spPr>
+      </p:pic>
       <p:graphicFrame>
         <p:nvGraphicFramePr>
           <p:cNvPr id="7" name="表格 6">
@@ -10599,14 +10854,14 @@
           <p:nvPr>
             <p:extLst>
               <p:ext uri="{D42A27DB-BD31-4B8C-83A1-F6EECF244321}">
-                <p14:modId xmlns:p14="http://schemas.microsoft.com/office/powerpoint/2010/main" val="706749206"/>
+                <p14:modId xmlns:p14="http://schemas.microsoft.com/office/powerpoint/2010/main" val="2848139236"/>
               </p:ext>
             </p:extLst>
           </p:nvPr>
         </p:nvGraphicFramePr>
         <p:xfrm>
-          <a:off x="3028334" y="1209186"/>
-          <a:ext cx="9026005" cy="4782615"/>
+          <a:off x="2944709" y="781840"/>
+          <a:ext cx="9248836" cy="6076160"/>
         </p:xfrm>
         <a:graphic>
           <a:graphicData uri="http://schemas.openxmlformats.org/drawingml/2006/table">
@@ -10615,35 +10870,35 @@
                 <a:tableStyleId>{073A0DAA-6AF3-43AB-8588-CEC1D06C72B9}</a:tableStyleId>
               </a:tblPr>
               <a:tblGrid>
-                <a:gridCol w="1671485">
+                <a:gridCol w="1712750">
                   <a:extLst>
                     <a:ext uri="{9D8B030D-6E8A-4147-A177-3AD203B41FA5}">
                       <a16:colId xmlns:a16="http://schemas.microsoft.com/office/drawing/2014/main" val="2122163630"/>
                     </a:ext>
                   </a:extLst>
                 </a:gridCol>
-                <a:gridCol w="1938917">
+                <a:gridCol w="1986785">
                   <a:extLst>
                     <a:ext uri="{9D8B030D-6E8A-4147-A177-3AD203B41FA5}">
                       <a16:colId xmlns:a16="http://schemas.microsoft.com/office/drawing/2014/main" val="3479632626"/>
                     </a:ext>
                   </a:extLst>
                 </a:gridCol>
-                <a:gridCol w="1805201">
+                <a:gridCol w="1849767">
                   <a:extLst>
                     <a:ext uri="{9D8B030D-6E8A-4147-A177-3AD203B41FA5}">
                       <a16:colId xmlns:a16="http://schemas.microsoft.com/office/drawing/2014/main" val="3923220644"/>
                     </a:ext>
                   </a:extLst>
                 </a:gridCol>
-                <a:gridCol w="1805201">
+                <a:gridCol w="1849767">
                   <a:extLst>
                     <a:ext uri="{9D8B030D-6E8A-4147-A177-3AD203B41FA5}">
                       <a16:colId xmlns:a16="http://schemas.microsoft.com/office/drawing/2014/main" val="164919416"/>
                     </a:ext>
                   </a:extLst>
                 </a:gridCol>
-                <a:gridCol w="1805201">
+                <a:gridCol w="1849767">
                   <a:extLst>
                     <a:ext uri="{9D8B030D-6E8A-4147-A177-3AD203B41FA5}">
                       <a16:colId xmlns:a16="http://schemas.microsoft.com/office/drawing/2014/main" val="1254350693"/>
@@ -10651,7 +10906,7 @@
                   </a:extLst>
                 </a:gridCol>
               </a:tblGrid>
-              <a:tr h="984205">
+              <a:tr h="1250402">
                 <a:tc>
                   <a:txBody>
                     <a:bodyPr/>
@@ -10788,7 +11043,7 @@
                   </a:ext>
                 </a:extLst>
               </a:tr>
-              <a:tr h="1213405">
+              <a:tr h="1541592">
                 <a:tc>
                   <a:txBody>
                     <a:bodyPr/>
@@ -10881,7 +11136,7 @@
                   </a:ext>
                 </a:extLst>
               </a:tr>
-              <a:tr h="1213405">
+              <a:tr h="1742574">
                 <a:tc>
                   <a:txBody>
                     <a:bodyPr/>
@@ -10982,13 +11237,16 @@
                   </a:ext>
                 </a:extLst>
               </a:tr>
-              <a:tr h="1213405">
+              <a:tr h="1541592">
                 <a:tc>
                   <a:txBody>
                     <a:bodyPr/>
                     <a:lstStyle/>
                     <a:p>
-                      <a:endParaRPr lang="zh-CN" altLang="en-US"/>
+                      <a:r>
+                        <a:rPr lang="zh-CN" altLang="en-US" sz="2000" dirty="0"/>
+                        <a:t>杨柯</a:t>
+                      </a:r>
                     </a:p>
                   </a:txBody>
                   <a:tcPr/>
@@ -10998,7 +11256,18 @@
                     <a:bodyPr/>
                     <a:lstStyle/>
                     <a:p>
-                      <a:endParaRPr lang="zh-CN" altLang="en-US" dirty="0"/>
+                      <a:r>
+                        <a:rPr lang="zh-CN" altLang="en-US" sz="2000" dirty="0"/>
+                        <a:t>计算机与计算科学专业</a:t>
+                      </a:r>
+                      <a:r>
+                        <a:rPr lang="en-US" altLang="zh-CN" sz="2000" dirty="0"/>
+                        <a:t>2015</a:t>
+                      </a:r>
+                      <a:r>
+                        <a:rPr lang="zh-CN" altLang="en-US" sz="2000" dirty="0"/>
+                        <a:t>级</a:t>
+                      </a:r>
                     </a:p>
                   </a:txBody>
                   <a:tcPr/>
@@ -11008,7 +11277,11 @@
                     <a:bodyPr/>
                     <a:lstStyle/>
                     <a:p>
-                      <a:endParaRPr lang="zh-CN" altLang="en-US" dirty="0"/>
+                      <a:r>
+                        <a:rPr lang="en-US" altLang="zh-CN" sz="2000" dirty="0"/>
+                        <a:t>18358517939</a:t>
+                      </a:r>
+                      <a:endParaRPr lang="zh-CN" altLang="en-US" sz="2000" dirty="0"/>
                     </a:p>
                   </a:txBody>
                   <a:tcPr/>
@@ -11018,7 +11291,10 @@
                     <a:bodyPr/>
                     <a:lstStyle/>
                     <a:p>
-                      <a:endParaRPr lang="zh-CN" altLang="en-US"/>
+                      <a:r>
+                        <a:rPr lang="zh-CN" altLang="en-US" sz="2000" dirty="0"/>
+                        <a:t>推荐了界面素材网站，对界面认为太丑。</a:t>
+                      </a:r>
                     </a:p>
                   </a:txBody>
                   <a:tcPr/>
@@ -11028,7 +11304,10 @@
                     <a:bodyPr/>
                     <a:lstStyle/>
                     <a:p>
-                      <a:endParaRPr lang="zh-CN" altLang="en-US" dirty="0"/>
+                      <a:r>
+                        <a:rPr lang="zh-CN" altLang="en-US" sz="2000" dirty="0"/>
+                        <a:t>希望多注重细节</a:t>
+                      </a:r>
                     </a:p>
                   </a:txBody>
                   <a:tcPr/>
@@ -11060,6 +11339,630 @@
       </p:transition>
     </mc:Fallback>
   </mc:AlternateContent>
+  <p:timing>
+    <p:tnLst>
+      <p:par>
+        <p:cTn id="1" dur="indefinite" restart="never" nodeType="tmRoot">
+          <p:childTnLst>
+            <p:seq concurrent="1" nextAc="seek">
+              <p:cTn id="2" dur="indefinite" nodeType="mainSeq">
+                <p:childTnLst>
+                  <p:par>
+                    <p:cTn id="3" fill="hold">
+                      <p:stCondLst>
+                        <p:cond delay="indefinite"/>
+                      </p:stCondLst>
+                      <p:childTnLst>
+                        <p:par>
+                          <p:cTn id="4" fill="hold">
+                            <p:stCondLst>
+                              <p:cond delay="0"/>
+                            </p:stCondLst>
+                            <p:childTnLst>
+                              <p:par>
+                                <p:cTn id="5" presetID="42" presetClass="entr" presetSubtype="0" fill="hold" nodeType="clickEffect">
+                                  <p:stCondLst>
+                                    <p:cond delay="0"/>
+                                  </p:stCondLst>
+                                  <p:childTnLst>
+                                    <p:set>
+                                      <p:cBhvr>
+                                        <p:cTn id="6" dur="1" fill="hold">
+                                          <p:stCondLst>
+                                            <p:cond delay="0"/>
+                                          </p:stCondLst>
+                                        </p:cTn>
+                                        <p:tgtEl>
+                                          <p:spTgt spid="4"/>
+                                        </p:tgtEl>
+                                        <p:attrNameLst>
+                                          <p:attrName>style.visibility</p:attrName>
+                                        </p:attrNameLst>
+                                      </p:cBhvr>
+                                      <p:to>
+                                        <p:strVal val="visible"/>
+                                      </p:to>
+                                    </p:set>
+                                    <p:animEffect transition="in" filter="fade">
+                                      <p:cBhvr>
+                                        <p:cTn id="7" dur="1000"/>
+                                        <p:tgtEl>
+                                          <p:spTgt spid="4"/>
+                                        </p:tgtEl>
+                                      </p:cBhvr>
+                                    </p:animEffect>
+                                    <p:anim calcmode="lin" valueType="num">
+                                      <p:cBhvr>
+                                        <p:cTn id="8" dur="1000" fill="hold"/>
+                                        <p:tgtEl>
+                                          <p:spTgt spid="4"/>
+                                        </p:tgtEl>
+                                        <p:attrNameLst>
+                                          <p:attrName>ppt_x</p:attrName>
+                                        </p:attrNameLst>
+                                      </p:cBhvr>
+                                      <p:tavLst>
+                                        <p:tav tm="0">
+                                          <p:val>
+                                            <p:strVal val="#ppt_x"/>
+                                          </p:val>
+                                        </p:tav>
+                                        <p:tav tm="100000">
+                                          <p:val>
+                                            <p:strVal val="#ppt_x"/>
+                                          </p:val>
+                                        </p:tav>
+                                      </p:tavLst>
+                                    </p:anim>
+                                    <p:anim calcmode="lin" valueType="num">
+                                      <p:cBhvr>
+                                        <p:cTn id="9" dur="1000" fill="hold"/>
+                                        <p:tgtEl>
+                                          <p:spTgt spid="4"/>
+                                        </p:tgtEl>
+                                        <p:attrNameLst>
+                                          <p:attrName>ppt_y</p:attrName>
+                                        </p:attrNameLst>
+                                      </p:cBhvr>
+                                      <p:tavLst>
+                                        <p:tav tm="0">
+                                          <p:val>
+                                            <p:strVal val="#ppt_y+.1"/>
+                                          </p:val>
+                                        </p:tav>
+                                        <p:tav tm="100000">
+                                          <p:val>
+                                            <p:strVal val="#ppt_y"/>
+                                          </p:val>
+                                        </p:tav>
+                                      </p:tavLst>
+                                    </p:anim>
+                                  </p:childTnLst>
+                                </p:cTn>
+                              </p:par>
+                            </p:childTnLst>
+                          </p:cTn>
+                        </p:par>
+                      </p:childTnLst>
+                    </p:cTn>
+                  </p:par>
+                  <p:par>
+                    <p:cTn id="10" fill="hold">
+                      <p:stCondLst>
+                        <p:cond delay="indefinite"/>
+                      </p:stCondLst>
+                      <p:childTnLst>
+                        <p:par>
+                          <p:cTn id="11" fill="hold">
+                            <p:stCondLst>
+                              <p:cond delay="0"/>
+                            </p:stCondLst>
+                            <p:childTnLst>
+                              <p:par>
+                                <p:cTn id="12" presetID="42" presetClass="entr" presetSubtype="0" fill="hold" nodeType="clickEffect">
+                                  <p:stCondLst>
+                                    <p:cond delay="0"/>
+                                  </p:stCondLst>
+                                  <p:childTnLst>
+                                    <p:set>
+                                      <p:cBhvr>
+                                        <p:cTn id="13" dur="1" fill="hold">
+                                          <p:stCondLst>
+                                            <p:cond delay="0"/>
+                                          </p:stCondLst>
+                                        </p:cTn>
+                                        <p:tgtEl>
+                                          <p:spTgt spid="9"/>
+                                        </p:tgtEl>
+                                        <p:attrNameLst>
+                                          <p:attrName>style.visibility</p:attrName>
+                                        </p:attrNameLst>
+                                      </p:cBhvr>
+                                      <p:to>
+                                        <p:strVal val="visible"/>
+                                      </p:to>
+                                    </p:set>
+                                    <p:animEffect transition="in" filter="fade">
+                                      <p:cBhvr>
+                                        <p:cTn id="14" dur="1000"/>
+                                        <p:tgtEl>
+                                          <p:spTgt spid="9"/>
+                                        </p:tgtEl>
+                                      </p:cBhvr>
+                                    </p:animEffect>
+                                    <p:anim calcmode="lin" valueType="num">
+                                      <p:cBhvr>
+                                        <p:cTn id="15" dur="1000" fill="hold"/>
+                                        <p:tgtEl>
+                                          <p:spTgt spid="9"/>
+                                        </p:tgtEl>
+                                        <p:attrNameLst>
+                                          <p:attrName>ppt_x</p:attrName>
+                                        </p:attrNameLst>
+                                      </p:cBhvr>
+                                      <p:tavLst>
+                                        <p:tav tm="0">
+                                          <p:val>
+                                            <p:strVal val="#ppt_x"/>
+                                          </p:val>
+                                        </p:tav>
+                                        <p:tav tm="100000">
+                                          <p:val>
+                                            <p:strVal val="#ppt_x"/>
+                                          </p:val>
+                                        </p:tav>
+                                      </p:tavLst>
+                                    </p:anim>
+                                    <p:anim calcmode="lin" valueType="num">
+                                      <p:cBhvr>
+                                        <p:cTn id="16" dur="1000" fill="hold"/>
+                                        <p:tgtEl>
+                                          <p:spTgt spid="9"/>
+                                        </p:tgtEl>
+                                        <p:attrNameLst>
+                                          <p:attrName>ppt_y</p:attrName>
+                                        </p:attrNameLst>
+                                      </p:cBhvr>
+                                      <p:tavLst>
+                                        <p:tav tm="0">
+                                          <p:val>
+                                            <p:strVal val="#ppt_y+.1"/>
+                                          </p:val>
+                                        </p:tav>
+                                        <p:tav tm="100000">
+                                          <p:val>
+                                            <p:strVal val="#ppt_y"/>
+                                          </p:val>
+                                        </p:tav>
+                                      </p:tavLst>
+                                    </p:anim>
+                                  </p:childTnLst>
+                                </p:cTn>
+                              </p:par>
+                            </p:childTnLst>
+                          </p:cTn>
+                        </p:par>
+                      </p:childTnLst>
+                    </p:cTn>
+                  </p:par>
+                  <p:par>
+                    <p:cTn id="17" fill="hold">
+                      <p:stCondLst>
+                        <p:cond delay="indefinite"/>
+                      </p:stCondLst>
+                      <p:childTnLst>
+                        <p:par>
+                          <p:cTn id="18" fill="hold">
+                            <p:stCondLst>
+                              <p:cond delay="0"/>
+                            </p:stCondLst>
+                            <p:childTnLst>
+                              <p:par>
+                                <p:cTn id="19" presetID="42" presetClass="entr" presetSubtype="0" fill="hold" nodeType="clickEffect">
+                                  <p:stCondLst>
+                                    <p:cond delay="0"/>
+                                  </p:stCondLst>
+                                  <p:childTnLst>
+                                    <p:set>
+                                      <p:cBhvr>
+                                        <p:cTn id="20" dur="1" fill="hold">
+                                          <p:stCondLst>
+                                            <p:cond delay="0"/>
+                                          </p:stCondLst>
+                                        </p:cTn>
+                                        <p:tgtEl>
+                                          <p:spTgt spid="11"/>
+                                        </p:tgtEl>
+                                        <p:attrNameLst>
+                                          <p:attrName>style.visibility</p:attrName>
+                                        </p:attrNameLst>
+                                      </p:cBhvr>
+                                      <p:to>
+                                        <p:strVal val="visible"/>
+                                      </p:to>
+                                    </p:set>
+                                    <p:animEffect transition="in" filter="fade">
+                                      <p:cBhvr>
+                                        <p:cTn id="21" dur="1000"/>
+                                        <p:tgtEl>
+                                          <p:spTgt spid="11"/>
+                                        </p:tgtEl>
+                                      </p:cBhvr>
+                                    </p:animEffect>
+                                    <p:anim calcmode="lin" valueType="num">
+                                      <p:cBhvr>
+                                        <p:cTn id="22" dur="1000" fill="hold"/>
+                                        <p:tgtEl>
+                                          <p:spTgt spid="11"/>
+                                        </p:tgtEl>
+                                        <p:attrNameLst>
+                                          <p:attrName>ppt_x</p:attrName>
+                                        </p:attrNameLst>
+                                      </p:cBhvr>
+                                      <p:tavLst>
+                                        <p:tav tm="0">
+                                          <p:val>
+                                            <p:strVal val="#ppt_x"/>
+                                          </p:val>
+                                        </p:tav>
+                                        <p:tav tm="100000">
+                                          <p:val>
+                                            <p:strVal val="#ppt_x"/>
+                                          </p:val>
+                                        </p:tav>
+                                      </p:tavLst>
+                                    </p:anim>
+                                    <p:anim calcmode="lin" valueType="num">
+                                      <p:cBhvr>
+                                        <p:cTn id="23" dur="1000" fill="hold"/>
+                                        <p:tgtEl>
+                                          <p:spTgt spid="11"/>
+                                        </p:tgtEl>
+                                        <p:attrNameLst>
+                                          <p:attrName>ppt_y</p:attrName>
+                                        </p:attrNameLst>
+                                      </p:cBhvr>
+                                      <p:tavLst>
+                                        <p:tav tm="0">
+                                          <p:val>
+                                            <p:strVal val="#ppt_y+.1"/>
+                                          </p:val>
+                                        </p:tav>
+                                        <p:tav tm="100000">
+                                          <p:val>
+                                            <p:strVal val="#ppt_y"/>
+                                          </p:val>
+                                        </p:tav>
+                                      </p:tavLst>
+                                    </p:anim>
+                                  </p:childTnLst>
+                                </p:cTn>
+                              </p:par>
+                            </p:childTnLst>
+                          </p:cTn>
+                        </p:par>
+                      </p:childTnLst>
+                    </p:cTn>
+                  </p:par>
+                  <p:par>
+                    <p:cTn id="24" fill="hold">
+                      <p:stCondLst>
+                        <p:cond delay="indefinite"/>
+                      </p:stCondLst>
+                      <p:childTnLst>
+                        <p:par>
+                          <p:cTn id="25" fill="hold">
+                            <p:stCondLst>
+                              <p:cond delay="0"/>
+                            </p:stCondLst>
+                            <p:childTnLst>
+                              <p:par>
+                                <p:cTn id="26" presetID="42" presetClass="entr" presetSubtype="0" fill="hold" nodeType="clickEffect">
+                                  <p:stCondLst>
+                                    <p:cond delay="0"/>
+                                  </p:stCondLst>
+                                  <p:childTnLst>
+                                    <p:set>
+                                      <p:cBhvr>
+                                        <p:cTn id="27" dur="1" fill="hold">
+                                          <p:stCondLst>
+                                            <p:cond delay="0"/>
+                                          </p:stCondLst>
+                                        </p:cTn>
+                                        <p:tgtEl>
+                                          <p:spTgt spid="18"/>
+                                        </p:tgtEl>
+                                        <p:attrNameLst>
+                                          <p:attrName>style.visibility</p:attrName>
+                                        </p:attrNameLst>
+                                      </p:cBhvr>
+                                      <p:to>
+                                        <p:strVal val="visible"/>
+                                      </p:to>
+                                    </p:set>
+                                    <p:animEffect transition="in" filter="fade">
+                                      <p:cBhvr>
+                                        <p:cTn id="28" dur="1000"/>
+                                        <p:tgtEl>
+                                          <p:spTgt spid="18"/>
+                                        </p:tgtEl>
+                                      </p:cBhvr>
+                                    </p:animEffect>
+                                    <p:anim calcmode="lin" valueType="num">
+                                      <p:cBhvr>
+                                        <p:cTn id="29" dur="1000" fill="hold"/>
+                                        <p:tgtEl>
+                                          <p:spTgt spid="18"/>
+                                        </p:tgtEl>
+                                        <p:attrNameLst>
+                                          <p:attrName>ppt_x</p:attrName>
+                                        </p:attrNameLst>
+                                      </p:cBhvr>
+                                      <p:tavLst>
+                                        <p:tav tm="0">
+                                          <p:val>
+                                            <p:strVal val="#ppt_x"/>
+                                          </p:val>
+                                        </p:tav>
+                                        <p:tav tm="100000">
+                                          <p:val>
+                                            <p:strVal val="#ppt_x"/>
+                                          </p:val>
+                                        </p:tav>
+                                      </p:tavLst>
+                                    </p:anim>
+                                    <p:anim calcmode="lin" valueType="num">
+                                      <p:cBhvr>
+                                        <p:cTn id="30" dur="1000" fill="hold"/>
+                                        <p:tgtEl>
+                                          <p:spTgt spid="18"/>
+                                        </p:tgtEl>
+                                        <p:attrNameLst>
+                                          <p:attrName>ppt_y</p:attrName>
+                                        </p:attrNameLst>
+                                      </p:cBhvr>
+                                      <p:tavLst>
+                                        <p:tav tm="0">
+                                          <p:val>
+                                            <p:strVal val="#ppt_y+.1"/>
+                                          </p:val>
+                                        </p:tav>
+                                        <p:tav tm="100000">
+                                          <p:val>
+                                            <p:strVal val="#ppt_y"/>
+                                          </p:val>
+                                        </p:tav>
+                                      </p:tavLst>
+                                    </p:anim>
+                                  </p:childTnLst>
+                                </p:cTn>
+                              </p:par>
+                            </p:childTnLst>
+                          </p:cTn>
+                        </p:par>
+                      </p:childTnLst>
+                    </p:cTn>
+                  </p:par>
+                  <p:par>
+                    <p:cTn id="31" fill="hold">
+                      <p:stCondLst>
+                        <p:cond delay="indefinite"/>
+                      </p:stCondLst>
+                      <p:childTnLst>
+                        <p:par>
+                          <p:cTn id="32" fill="hold">
+                            <p:stCondLst>
+                              <p:cond delay="0"/>
+                            </p:stCondLst>
+                            <p:childTnLst>
+                              <p:par>
+                                <p:cTn id="33" presetID="42" presetClass="entr" presetSubtype="0" fill="hold" nodeType="clickEffect">
+                                  <p:stCondLst>
+                                    <p:cond delay="0"/>
+                                  </p:stCondLst>
+                                  <p:childTnLst>
+                                    <p:set>
+                                      <p:cBhvr>
+                                        <p:cTn id="34" dur="1" fill="hold">
+                                          <p:stCondLst>
+                                            <p:cond delay="0"/>
+                                          </p:stCondLst>
+                                        </p:cTn>
+                                        <p:tgtEl>
+                                          <p:spTgt spid="20"/>
+                                        </p:tgtEl>
+                                        <p:attrNameLst>
+                                          <p:attrName>style.visibility</p:attrName>
+                                        </p:attrNameLst>
+                                      </p:cBhvr>
+                                      <p:to>
+                                        <p:strVal val="visible"/>
+                                      </p:to>
+                                    </p:set>
+                                    <p:animEffect transition="in" filter="fade">
+                                      <p:cBhvr>
+                                        <p:cTn id="35" dur="1000"/>
+                                        <p:tgtEl>
+                                          <p:spTgt spid="20"/>
+                                        </p:tgtEl>
+                                      </p:cBhvr>
+                                    </p:animEffect>
+                                    <p:anim calcmode="lin" valueType="num">
+                                      <p:cBhvr>
+                                        <p:cTn id="36" dur="1000" fill="hold"/>
+                                        <p:tgtEl>
+                                          <p:spTgt spid="20"/>
+                                        </p:tgtEl>
+                                        <p:attrNameLst>
+                                          <p:attrName>ppt_x</p:attrName>
+                                        </p:attrNameLst>
+                                      </p:cBhvr>
+                                      <p:tavLst>
+                                        <p:tav tm="0">
+                                          <p:val>
+                                            <p:strVal val="#ppt_x"/>
+                                          </p:val>
+                                        </p:tav>
+                                        <p:tav tm="100000">
+                                          <p:val>
+                                            <p:strVal val="#ppt_x"/>
+                                          </p:val>
+                                        </p:tav>
+                                      </p:tavLst>
+                                    </p:anim>
+                                    <p:anim calcmode="lin" valueType="num">
+                                      <p:cBhvr>
+                                        <p:cTn id="37" dur="1000" fill="hold"/>
+                                        <p:tgtEl>
+                                          <p:spTgt spid="20"/>
+                                        </p:tgtEl>
+                                        <p:attrNameLst>
+                                          <p:attrName>ppt_y</p:attrName>
+                                        </p:attrNameLst>
+                                      </p:cBhvr>
+                                      <p:tavLst>
+                                        <p:tav tm="0">
+                                          <p:val>
+                                            <p:strVal val="#ppt_y+.1"/>
+                                          </p:val>
+                                        </p:tav>
+                                        <p:tav tm="100000">
+                                          <p:val>
+                                            <p:strVal val="#ppt_y"/>
+                                          </p:val>
+                                        </p:tav>
+                                      </p:tavLst>
+                                    </p:anim>
+                                  </p:childTnLst>
+                                </p:cTn>
+                              </p:par>
+                            </p:childTnLst>
+                          </p:cTn>
+                        </p:par>
+                      </p:childTnLst>
+                    </p:cTn>
+                  </p:par>
+                  <p:par>
+                    <p:cTn id="38" fill="hold">
+                      <p:stCondLst>
+                        <p:cond delay="indefinite"/>
+                      </p:stCondLst>
+                      <p:childTnLst>
+                        <p:par>
+                          <p:cTn id="39" fill="hold">
+                            <p:stCondLst>
+                              <p:cond delay="0"/>
+                            </p:stCondLst>
+                            <p:childTnLst>
+                              <p:par>
+                                <p:cTn id="40" presetID="42" presetClass="entr" presetSubtype="0" fill="hold" nodeType="clickEffect">
+                                  <p:stCondLst>
+                                    <p:cond delay="0"/>
+                                  </p:stCondLst>
+                                  <p:childTnLst>
+                                    <p:set>
+                                      <p:cBhvr>
+                                        <p:cTn id="41" dur="1" fill="hold">
+                                          <p:stCondLst>
+                                            <p:cond delay="0"/>
+                                          </p:stCondLst>
+                                        </p:cTn>
+                                        <p:tgtEl>
+                                          <p:spTgt spid="7"/>
+                                        </p:tgtEl>
+                                        <p:attrNameLst>
+                                          <p:attrName>style.visibility</p:attrName>
+                                        </p:attrNameLst>
+                                      </p:cBhvr>
+                                      <p:to>
+                                        <p:strVal val="visible"/>
+                                      </p:to>
+                                    </p:set>
+                                    <p:animEffect transition="in" filter="fade">
+                                      <p:cBhvr>
+                                        <p:cTn id="42" dur="1000"/>
+                                        <p:tgtEl>
+                                          <p:spTgt spid="7"/>
+                                        </p:tgtEl>
+                                      </p:cBhvr>
+                                    </p:animEffect>
+                                    <p:anim calcmode="lin" valueType="num">
+                                      <p:cBhvr>
+                                        <p:cTn id="43" dur="1000" fill="hold"/>
+                                        <p:tgtEl>
+                                          <p:spTgt spid="7"/>
+                                        </p:tgtEl>
+                                        <p:attrNameLst>
+                                          <p:attrName>ppt_x</p:attrName>
+                                        </p:attrNameLst>
+                                      </p:cBhvr>
+                                      <p:tavLst>
+                                        <p:tav tm="0">
+                                          <p:val>
+                                            <p:strVal val="#ppt_x"/>
+                                          </p:val>
+                                        </p:tav>
+                                        <p:tav tm="100000">
+                                          <p:val>
+                                            <p:strVal val="#ppt_x"/>
+                                          </p:val>
+                                        </p:tav>
+                                      </p:tavLst>
+                                    </p:anim>
+                                    <p:anim calcmode="lin" valueType="num">
+                                      <p:cBhvr>
+                                        <p:cTn id="44" dur="1000" fill="hold"/>
+                                        <p:tgtEl>
+                                          <p:spTgt spid="7"/>
+                                        </p:tgtEl>
+                                        <p:attrNameLst>
+                                          <p:attrName>ppt_y</p:attrName>
+                                        </p:attrNameLst>
+                                      </p:cBhvr>
+                                      <p:tavLst>
+                                        <p:tav tm="0">
+                                          <p:val>
+                                            <p:strVal val="#ppt_y+.1"/>
+                                          </p:val>
+                                        </p:tav>
+                                        <p:tav tm="100000">
+                                          <p:val>
+                                            <p:strVal val="#ppt_y"/>
+                                          </p:val>
+                                        </p:tav>
+                                      </p:tavLst>
+                                    </p:anim>
+                                  </p:childTnLst>
+                                </p:cTn>
+                              </p:par>
+                            </p:childTnLst>
+                          </p:cTn>
+                        </p:par>
+                      </p:childTnLst>
+                    </p:cTn>
+                  </p:par>
+                </p:childTnLst>
+              </p:cTn>
+              <p:prevCondLst>
+                <p:cond evt="onPrev" delay="0">
+                  <p:tgtEl>
+                    <p:sldTgt/>
+                  </p:tgtEl>
+                </p:cond>
+              </p:prevCondLst>
+              <p:nextCondLst>
+                <p:cond evt="onNext" delay="0">
+                  <p:tgtEl>
+                    <p:sldTgt/>
+                  </p:tgtEl>
+                </p:cond>
+              </p:nextCondLst>
+            </p:seq>
+          </p:childTnLst>
+        </p:cTn>
+      </p:par>
+    </p:tnLst>
+  </p:timing>
 </p:sld>
 </file>
 
